--- a/01 Understand XML/UICustomizationIntro_CURRENT.pptx
+++ b/01 Understand XML/UICustomizationIntro_CURRENT.pptx
@@ -4403,7 +4403,7 @@
           <a:p>
             <a:fld id="{48A87A34-81AB-432B-8DAE-1953F412C126}" type="datetimeFigureOut">
               <a:rPr lang="en-US" dirty="0"/>
-              <a:t>4/29/2019</a:t>
+              <a:t>5/1/2019</a:t>
             </a:fld>
             <a:endParaRPr lang="en-US" dirty="0"/>
           </a:p>
@@ -4665,7 +4665,7 @@
           <a:p>
             <a:fld id="{48A87A34-81AB-432B-8DAE-1953F412C126}" type="datetimeFigureOut">
               <a:rPr lang="en-US" dirty="0"/>
-              <a:t>4/29/2019</a:t>
+              <a:t>5/1/2019</a:t>
             </a:fld>
             <a:endParaRPr lang="en-US" dirty="0"/>
           </a:p>
@@ -4856,7 +4856,7 @@
           <a:p>
             <a:fld id="{48A87A34-81AB-432B-8DAE-1953F412C126}" type="datetimeFigureOut">
               <a:rPr lang="en-US" dirty="0"/>
-              <a:t>4/29/2019</a:t>
+              <a:t>5/1/2019</a:t>
             </a:fld>
             <a:endParaRPr lang="en-US" dirty="0"/>
           </a:p>
@@ -5114,7 +5114,7 @@
           <a:p>
             <a:fld id="{48A87A34-81AB-432B-8DAE-1953F412C126}" type="datetimeFigureOut">
               <a:rPr lang="en-US" dirty="0"/>
-              <a:t>4/29/2019</a:t>
+              <a:t>5/1/2019</a:t>
             </a:fld>
             <a:endParaRPr lang="en-US" dirty="0"/>
           </a:p>
@@ -5543,7 +5543,7 @@
           <a:p>
             <a:fld id="{48A87A34-81AB-432B-8DAE-1953F412C126}" type="datetimeFigureOut">
               <a:rPr lang="en-US" dirty="0"/>
-              <a:t>4/29/2019</a:t>
+              <a:t>5/1/2019</a:t>
             </a:fld>
             <a:endParaRPr lang="en-US" dirty="0"/>
           </a:p>
@@ -6084,7 +6084,7 @@
           <a:p>
             <a:fld id="{48A87A34-81AB-432B-8DAE-1953F412C126}" type="datetimeFigureOut">
               <a:rPr lang="en-US" dirty="0"/>
-              <a:t>4/29/2019</a:t>
+              <a:t>5/1/2019</a:t>
             </a:fld>
             <a:endParaRPr lang="en-US" dirty="0"/>
           </a:p>
@@ -6799,7 +6799,7 @@
           <a:p>
             <a:fld id="{48A87A34-81AB-432B-8DAE-1953F412C126}" type="datetimeFigureOut">
               <a:rPr lang="en-US" dirty="0"/>
-              <a:t>4/29/2019</a:t>
+              <a:t>5/1/2019</a:t>
             </a:fld>
             <a:endParaRPr lang="en-US" dirty="0"/>
           </a:p>
@@ -6964,7 +6964,7 @@
           <a:p>
             <a:fld id="{48A87A34-81AB-432B-8DAE-1953F412C126}" type="datetimeFigureOut">
               <a:rPr lang="en-US" dirty="0"/>
-              <a:t>4/29/2019</a:t>
+              <a:t>5/1/2019</a:t>
             </a:fld>
             <a:endParaRPr lang="en-US" dirty="0"/>
           </a:p>
@@ -7139,7 +7139,7 @@
           <a:p>
             <a:fld id="{48A87A34-81AB-432B-8DAE-1953F412C126}" type="datetimeFigureOut">
               <a:rPr lang="en-US" dirty="0"/>
-              <a:t>4/29/2019</a:t>
+              <a:t>5/1/2019</a:t>
             </a:fld>
             <a:endParaRPr lang="en-US" dirty="0"/>
           </a:p>
@@ -7304,7 +7304,7 @@
           <a:p>
             <a:fld id="{48A87A34-81AB-432B-8DAE-1953F412C126}" type="datetimeFigureOut">
               <a:rPr lang="en-US" dirty="0"/>
-              <a:t>4/29/2019</a:t>
+              <a:t>5/1/2019</a:t>
             </a:fld>
             <a:endParaRPr lang="en-US" dirty="0"/>
           </a:p>
@@ -7549,7 +7549,7 @@
           <a:p>
             <a:fld id="{48A87A34-81AB-432B-8DAE-1953F412C126}" type="datetimeFigureOut">
               <a:rPr lang="en-US" dirty="0"/>
-              <a:t>4/29/2019</a:t>
+              <a:t>5/1/2019</a:t>
             </a:fld>
             <a:endParaRPr lang="en-US" dirty="0"/>
           </a:p>
@@ -7776,7 +7776,7 @@
           <a:p>
             <a:fld id="{48A87A34-81AB-432B-8DAE-1953F412C126}" type="datetimeFigureOut">
               <a:rPr lang="en-US" dirty="0"/>
-              <a:t>4/29/2019</a:t>
+              <a:t>5/1/2019</a:t>
             </a:fld>
             <a:endParaRPr lang="en-US" dirty="0"/>
           </a:p>
@@ -8152,7 +8152,7 @@
           <a:p>
             <a:fld id="{48A87A34-81AB-432B-8DAE-1953F412C126}" type="datetimeFigureOut">
               <a:rPr lang="en-US" dirty="0"/>
-              <a:t>4/29/2019</a:t>
+              <a:t>5/1/2019</a:t>
             </a:fld>
             <a:endParaRPr lang="en-US" dirty="0"/>
           </a:p>
@@ -8265,7 +8265,7 @@
           <a:p>
             <a:fld id="{48A87A34-81AB-432B-8DAE-1953F412C126}" type="datetimeFigureOut">
               <a:rPr lang="en-US" dirty="0"/>
-              <a:t>4/29/2019</a:t>
+              <a:t>5/1/2019</a:t>
             </a:fld>
             <a:endParaRPr lang="en-US" dirty="0"/>
           </a:p>
@@ -8355,7 +8355,7 @@
           <a:p>
             <a:fld id="{48A87A34-81AB-432B-8DAE-1953F412C126}" type="datetimeFigureOut">
               <a:rPr lang="en-US" dirty="0"/>
-              <a:t>4/29/2019</a:t>
+              <a:t>5/1/2019</a:t>
             </a:fld>
             <a:endParaRPr lang="en-US" dirty="0"/>
           </a:p>
@@ -8599,7 +8599,7 @@
           <a:p>
             <a:fld id="{48A87A34-81AB-432B-8DAE-1953F412C126}" type="datetimeFigureOut">
               <a:rPr lang="en-US" dirty="0"/>
-              <a:t>4/29/2019</a:t>
+              <a:t>5/1/2019</a:t>
             </a:fld>
             <a:endParaRPr lang="en-US" dirty="0"/>
           </a:p>
@@ -8874,7 +8874,7 @@
           <a:p>
             <a:fld id="{48A87A34-81AB-432B-8DAE-1953F412C126}" type="datetimeFigureOut">
               <a:rPr lang="en-US" dirty="0"/>
-              <a:t>4/29/2019</a:t>
+              <a:t>5/1/2019</a:t>
             </a:fld>
             <a:endParaRPr lang="en-US" dirty="0"/>
           </a:p>
@@ -11947,7 +11947,7 @@
             <a:fld id="{48A87A34-81AB-432B-8DAE-1953F412C126}" type="datetimeFigureOut">
               <a:rPr lang="en-US" dirty="0"/>
               <a:pPr/>
-              <a:t>4/29/2019</a:t>
+              <a:t>5/1/2019</a:t>
             </a:fld>
             <a:endParaRPr lang="en-US" dirty="0"/>
           </a:p>
@@ -14531,7 +14531,7 @@
                 <a:ea typeface="Tahoma" panose="020B0604030504040204" pitchFamily="34" charset="0"/>
                 <a:cs typeface="Tahoma" panose="020B0604030504040204" pitchFamily="34" charset="0"/>
               </a:rPr>
-              <a:t>Explain best practices in UI customization.</a:t>
+              <a:t>Explain best practices in Cityworks UI customization.</a:t>
             </a:r>
           </a:p>
           <a:p>
@@ -14794,6 +14794,11 @@
 <file path=ppt/slides/slide4.xml><?xml version="1.0" encoding="utf-8"?>
 <p:sld xmlns:a="http://schemas.openxmlformats.org/drawingml/2006/main" xmlns:r="http://schemas.openxmlformats.org/officeDocument/2006/relationships" xmlns:p="http://schemas.openxmlformats.org/presentationml/2006/main">
   <p:cSld>
+    <p:bg>
+      <p:bgRef idx="1003">
+        <a:schemeClr val="bg2"/>
+      </p:bgRef>
+    </p:bg>
     <p:spTree>
       <p:nvGrpSpPr>
         <p:cNvPr id="1" name=""/>
@@ -14808,209 +14813,6 @@
           <a:chExt cx="0" cy="0"/>
         </a:xfrm>
       </p:grpSpPr>
-      <p:sp>
-        <p:nvSpPr>
-          <p:cNvPr id="3" name="Content Placeholder 2">
-            <a:extLst>
-              <a:ext uri="{FF2B5EF4-FFF2-40B4-BE49-F238E27FC236}">
-                <a16:creationId xmlns:a16="http://schemas.microsoft.com/office/drawing/2014/main" id="{4358C35A-CA87-4E45-A0F6-124945EE0A0F}"/>
-              </a:ext>
-            </a:extLst>
-          </p:cNvPr>
-          <p:cNvSpPr>
-            <a:spLocks noGrp="1"/>
-          </p:cNvSpPr>
-          <p:nvPr>
-            <p:ph idx="1"/>
-          </p:nvPr>
-        </p:nvSpPr>
-        <p:spPr>
-          <a:xfrm>
-            <a:off x="1142999" y="1714272"/>
-            <a:ext cx="5111497" cy="3541714"/>
-          </a:xfrm>
-        </p:spPr>
-        <p:txBody>
-          <a:bodyPr>
-            <a:normAutofit fontScale="77500" lnSpcReduction="20000"/>
-          </a:bodyPr>
-          <a:lstStyle/>
-          <a:p>
-            <a:pPr marL="457200" lvl="1" indent="0">
-              <a:buNone/>
-            </a:pPr>
-            <a:r>
-              <a:rPr lang="en-US" sz="3100" b="1" dirty="0">
-                <a:solidFill>
-                  <a:schemeClr val="bg2">
-                    <a:lumMod val="50000"/>
-                  </a:schemeClr>
-                </a:solidFill>
-                <a:latin typeface="Tahoma" panose="020B0604030504040204" pitchFamily="34" charset="0"/>
-                <a:ea typeface="Tahoma" panose="020B0604030504040204" pitchFamily="34" charset="0"/>
-                <a:cs typeface="Tahoma" panose="020B0604030504040204" pitchFamily="34" charset="0"/>
-              </a:rPr>
-              <a:t>Tag: </a:t>
-            </a:r>
-            <a:r>
-              <a:rPr lang="en-US" sz="3100" dirty="0">
-                <a:latin typeface="Tahoma" panose="020B0604030504040204" pitchFamily="34" charset="0"/>
-                <a:ea typeface="Tahoma" panose="020B0604030504040204" pitchFamily="34" charset="0"/>
-                <a:cs typeface="Tahoma" panose="020B0604030504040204" pitchFamily="34" charset="0"/>
-              </a:rPr>
-              <a:t>The beginning or ending of an element, enclosed in angle brackets.</a:t>
-            </a:r>
-            <a:endParaRPr lang="en-US" sz="3100" b="1" dirty="0">
-              <a:latin typeface="Tahoma" panose="020B0604030504040204" pitchFamily="34" charset="0"/>
-              <a:ea typeface="Tahoma" panose="020B0604030504040204" pitchFamily="34" charset="0"/>
-              <a:cs typeface="Tahoma" panose="020B0604030504040204" pitchFamily="34" charset="0"/>
-            </a:endParaRPr>
-          </a:p>
-          <a:p>
-            <a:pPr marL="457200" lvl="1" indent="0">
-              <a:buNone/>
-            </a:pPr>
-            <a:r>
-              <a:rPr lang="en-US" b="1" dirty="0">
-                <a:solidFill>
-                  <a:schemeClr val="bg2">
-                    <a:lumMod val="50000"/>
-                  </a:schemeClr>
-                </a:solidFill>
-                <a:latin typeface="Tahoma" panose="020B0604030504040204" pitchFamily="34" charset="0"/>
-                <a:ea typeface="Tahoma" panose="020B0604030504040204" pitchFamily="34" charset="0"/>
-                <a:cs typeface="Tahoma" panose="020B0604030504040204" pitchFamily="34" charset="0"/>
-              </a:rPr>
-              <a:t>Element:</a:t>
-            </a:r>
-            <a:r>
-              <a:rPr lang="en-US" b="1" dirty="0">
-                <a:latin typeface="Tahoma" panose="020B0604030504040204" pitchFamily="34" charset="0"/>
-                <a:ea typeface="Tahoma" panose="020B0604030504040204" pitchFamily="34" charset="0"/>
-                <a:cs typeface="Tahoma" panose="020B0604030504040204" pitchFamily="34" charset="0"/>
-              </a:rPr>
-              <a:t> </a:t>
-            </a:r>
-            <a:r>
-              <a:rPr lang="en-US" dirty="0">
-                <a:latin typeface="Tahoma" panose="020B0604030504040204" pitchFamily="34" charset="0"/>
-                <a:ea typeface="Tahoma" panose="020B0604030504040204" pitchFamily="34" charset="0"/>
-                <a:cs typeface="Tahoma" panose="020B0604030504040204" pitchFamily="34" charset="0"/>
-              </a:rPr>
-              <a:t>Everything between matching tags. Corresponds with an object on a page.</a:t>
-            </a:r>
-            <a:endParaRPr lang="en-US" b="1" dirty="0">
-              <a:latin typeface="Tahoma" panose="020B0604030504040204" pitchFamily="34" charset="0"/>
-              <a:ea typeface="Tahoma" panose="020B0604030504040204" pitchFamily="34" charset="0"/>
-              <a:cs typeface="Tahoma" panose="020B0604030504040204" pitchFamily="34" charset="0"/>
-            </a:endParaRPr>
-          </a:p>
-          <a:p>
-            <a:pPr marL="457200" lvl="1" indent="0">
-              <a:buNone/>
-            </a:pPr>
-            <a:r>
-              <a:rPr lang="en-US" b="1" dirty="0">
-                <a:solidFill>
-                  <a:schemeClr val="bg2">
-                    <a:lumMod val="50000"/>
-                  </a:schemeClr>
-                </a:solidFill>
-                <a:latin typeface="Tahoma" panose="020B0604030504040204" pitchFamily="34" charset="0"/>
-                <a:ea typeface="Tahoma" panose="020B0604030504040204" pitchFamily="34" charset="0"/>
-                <a:cs typeface="Tahoma" panose="020B0604030504040204" pitchFamily="34" charset="0"/>
-              </a:rPr>
-              <a:t>Markup: </a:t>
-            </a:r>
-            <a:r>
-              <a:rPr lang="en-US" dirty="0">
-                <a:latin typeface="Tahoma" panose="020B0604030504040204" pitchFamily="34" charset="0"/>
-                <a:ea typeface="Tahoma" panose="020B0604030504040204" pitchFamily="34" charset="0"/>
-                <a:cs typeface="Tahoma" panose="020B0604030504040204" pitchFamily="34" charset="0"/>
-              </a:rPr>
-              <a:t>String between tags to format the elements.</a:t>
-            </a:r>
-            <a:endParaRPr lang="en-US" b="1" dirty="0">
-              <a:latin typeface="Tahoma" panose="020B0604030504040204" pitchFamily="34" charset="0"/>
-              <a:ea typeface="Tahoma" panose="020B0604030504040204" pitchFamily="34" charset="0"/>
-              <a:cs typeface="Tahoma" panose="020B0604030504040204" pitchFamily="34" charset="0"/>
-            </a:endParaRPr>
-          </a:p>
-          <a:p>
-            <a:pPr marL="457200" lvl="1" indent="0">
-              <a:buNone/>
-            </a:pPr>
-            <a:r>
-              <a:rPr lang="en-US" b="1" dirty="0">
-                <a:solidFill>
-                  <a:schemeClr val="bg2">
-                    <a:lumMod val="50000"/>
-                  </a:schemeClr>
-                </a:solidFill>
-                <a:latin typeface="Tahoma" panose="020B0604030504040204" pitchFamily="34" charset="0"/>
-                <a:ea typeface="Tahoma" panose="020B0604030504040204" pitchFamily="34" charset="0"/>
-                <a:cs typeface="Tahoma" panose="020B0604030504040204" pitchFamily="34" charset="0"/>
-              </a:rPr>
-              <a:t>Content:</a:t>
-            </a:r>
-            <a:r>
-              <a:rPr lang="en-US" b="1" dirty="0">
-                <a:latin typeface="Tahoma" panose="020B0604030504040204" pitchFamily="34" charset="0"/>
-                <a:ea typeface="Tahoma" panose="020B0604030504040204" pitchFamily="34" charset="0"/>
-                <a:cs typeface="Tahoma" panose="020B0604030504040204" pitchFamily="34" charset="0"/>
-              </a:rPr>
-              <a:t> </a:t>
-            </a:r>
-            <a:r>
-              <a:rPr lang="en-US" dirty="0">
-                <a:latin typeface="Tahoma" panose="020B0604030504040204" pitchFamily="34" charset="0"/>
-                <a:ea typeface="Tahoma" panose="020B0604030504040204" pitchFamily="34" charset="0"/>
-                <a:cs typeface="Tahoma" panose="020B0604030504040204" pitchFamily="34" charset="0"/>
-              </a:rPr>
-              <a:t>String between tags that is not markup.</a:t>
-            </a:r>
-            <a:endParaRPr lang="en-US" b="1" dirty="0">
-              <a:latin typeface="Tahoma" panose="020B0604030504040204" pitchFamily="34" charset="0"/>
-              <a:ea typeface="Tahoma" panose="020B0604030504040204" pitchFamily="34" charset="0"/>
-              <a:cs typeface="Tahoma" panose="020B0604030504040204" pitchFamily="34" charset="0"/>
-            </a:endParaRPr>
-          </a:p>
-          <a:p>
-            <a:pPr marL="457200" lvl="1" indent="0">
-              <a:buNone/>
-            </a:pPr>
-            <a:r>
-              <a:rPr lang="en-US" b="1" dirty="0">
-                <a:solidFill>
-                  <a:schemeClr val="bg2">
-                    <a:lumMod val="50000"/>
-                  </a:schemeClr>
-                </a:solidFill>
-                <a:latin typeface="Tahoma" panose="020B0604030504040204" pitchFamily="34" charset="0"/>
-                <a:ea typeface="Tahoma" panose="020B0604030504040204" pitchFamily="34" charset="0"/>
-                <a:cs typeface="Tahoma" panose="020B0604030504040204" pitchFamily="34" charset="0"/>
-              </a:rPr>
-              <a:t>Attributes: </a:t>
-            </a:r>
-            <a:r>
-              <a:rPr lang="en-US" dirty="0">
-                <a:latin typeface="Tahoma" panose="020B0604030504040204" pitchFamily="34" charset="0"/>
-                <a:ea typeface="Tahoma" panose="020B0604030504040204" pitchFamily="34" charset="0"/>
-                <a:cs typeface="Tahoma" panose="020B0604030504040204" pitchFamily="34" charset="0"/>
-              </a:rPr>
-              <a:t>Strings inside of tags to modify certain features of an element.</a:t>
-            </a:r>
-            <a:r>
-              <a:rPr lang="en-US" b="1" dirty="0">
-                <a:latin typeface="Tahoma" panose="020B0604030504040204" pitchFamily="34" charset="0"/>
-                <a:ea typeface="Tahoma" panose="020B0604030504040204" pitchFamily="34" charset="0"/>
-                <a:cs typeface="Tahoma" panose="020B0604030504040204" pitchFamily="34" charset="0"/>
-              </a:rPr>
-              <a:t> </a:t>
-            </a:r>
-          </a:p>
-        </p:txBody>
-      </p:sp>
       <p:sp>
         <p:nvSpPr>
           <p:cNvPr id="5" name="Title 1">
@@ -15051,6 +14853,71 @@
               </a:rPr>
               <a:t>XML Terminology</a:t>
             </a:r>
+          </a:p>
+        </p:txBody>
+      </p:sp>
+      <p:sp>
+        <p:nvSpPr>
+          <p:cNvPr id="3" name="Content Placeholder 2">
+            <a:extLst>
+              <a:ext uri="{FF2B5EF4-FFF2-40B4-BE49-F238E27FC236}">
+                <a16:creationId xmlns:a16="http://schemas.microsoft.com/office/drawing/2014/main" id="{4358C35A-CA87-4E45-A0F6-124945EE0A0F}"/>
+              </a:ext>
+            </a:extLst>
+          </p:cNvPr>
+          <p:cNvSpPr>
+            <a:spLocks noGrp="1"/>
+          </p:cNvSpPr>
+          <p:nvPr>
+            <p:ph idx="1"/>
+          </p:nvPr>
+        </p:nvSpPr>
+        <p:spPr>
+          <a:xfrm>
+            <a:off x="1143000" y="1714272"/>
+            <a:ext cx="4794506" cy="3541714"/>
+          </a:xfrm>
+        </p:spPr>
+        <p:txBody>
+          <a:bodyPr anchor="ctr">
+            <a:normAutofit/>
+          </a:bodyPr>
+          <a:lstStyle/>
+          <a:p>
+            <a:pPr marL="457200" lvl="1" indent="0">
+              <a:buNone/>
+            </a:pPr>
+            <a:r>
+              <a:rPr lang="en-US" sz="2600" b="1" dirty="0">
+                <a:solidFill>
+                  <a:schemeClr val="bg2">
+                    <a:lumMod val="50000"/>
+                  </a:schemeClr>
+                </a:solidFill>
+                <a:latin typeface="Tahoma" panose="020B0604030504040204" pitchFamily="34" charset="0"/>
+                <a:ea typeface="Tahoma" panose="020B0604030504040204" pitchFamily="34" charset="0"/>
+                <a:cs typeface="Tahoma" panose="020B0604030504040204" pitchFamily="34" charset="0"/>
+              </a:rPr>
+              <a:t>Tag:</a:t>
+            </a:r>
+          </a:p>
+          <a:p>
+            <a:pPr marL="457200" lvl="1" indent="0">
+              <a:buNone/>
+            </a:pPr>
+            <a:r>
+              <a:rPr lang="en-US" sz="2600" dirty="0">
+                <a:latin typeface="Tahoma" panose="020B0604030504040204" pitchFamily="34" charset="0"/>
+                <a:ea typeface="Tahoma" panose="020B0604030504040204" pitchFamily="34" charset="0"/>
+                <a:cs typeface="Tahoma" panose="020B0604030504040204" pitchFamily="34" charset="0"/>
+              </a:rPr>
+              <a:t>The beginning or ending of an element, enclosed in angle brackets.</a:t>
+            </a:r>
+            <a:endParaRPr lang="en-US" sz="2600" b="1" dirty="0">
+              <a:latin typeface="Tahoma" panose="020B0604030504040204" pitchFamily="34" charset="0"/>
+              <a:ea typeface="Tahoma" panose="020B0604030504040204" pitchFamily="34" charset="0"/>
+              <a:cs typeface="Tahoma" panose="020B0604030504040204" pitchFamily="34" charset="0"/>
+            </a:endParaRPr>
           </a:p>
         </p:txBody>
       </p:sp>
@@ -15323,7 +15190,7 @@
     </p:extLst>
   </p:cSld>
   <p:clrMapOvr>
-    <a:masterClrMapping/>
+    <a:overrideClrMapping bg1="dk1" tx1="lt1" bg2="dk2" tx2="lt2" accent1="accent1" accent2="accent2" accent3="accent3" accent4="accent4" accent5="accent5" accent6="accent6" hlink="hlink" folHlink="folHlink"/>
   </p:clrMapOvr>
 </p:sld>
 </file>
@@ -15331,6 +15198,11 @@
 <file path=ppt/slides/slide5.xml><?xml version="1.0" encoding="utf-8"?>
 <p:sld xmlns:a="http://schemas.openxmlformats.org/drawingml/2006/main" xmlns:r="http://schemas.openxmlformats.org/officeDocument/2006/relationships" xmlns:p="http://schemas.openxmlformats.org/presentationml/2006/main">
   <p:cSld>
+    <p:bg>
+      <p:bgRef idx="1003">
+        <a:schemeClr val="bg2"/>
+      </p:bgRef>
+    </p:bg>
     <p:spTree>
       <p:nvGrpSpPr>
         <p:cNvPr id="1" name=""/>
@@ -15345,209 +15217,6 @@
           <a:chExt cx="0" cy="0"/>
         </a:xfrm>
       </p:grpSpPr>
-      <p:sp>
-        <p:nvSpPr>
-          <p:cNvPr id="3" name="Content Placeholder 2">
-            <a:extLst>
-              <a:ext uri="{FF2B5EF4-FFF2-40B4-BE49-F238E27FC236}">
-                <a16:creationId xmlns:a16="http://schemas.microsoft.com/office/drawing/2014/main" id="{4358C35A-CA87-4E45-A0F6-124945EE0A0F}"/>
-              </a:ext>
-            </a:extLst>
-          </p:cNvPr>
-          <p:cNvSpPr>
-            <a:spLocks noGrp="1"/>
-          </p:cNvSpPr>
-          <p:nvPr>
-            <p:ph idx="1"/>
-          </p:nvPr>
-        </p:nvSpPr>
-        <p:spPr>
-          <a:xfrm>
-            <a:off x="1142999" y="1714272"/>
-            <a:ext cx="5111497" cy="3541714"/>
-          </a:xfrm>
-        </p:spPr>
-        <p:txBody>
-          <a:bodyPr>
-            <a:normAutofit fontScale="85000" lnSpcReduction="20000"/>
-          </a:bodyPr>
-          <a:lstStyle/>
-          <a:p>
-            <a:pPr marL="457200" lvl="1" indent="0">
-              <a:buNone/>
-            </a:pPr>
-            <a:r>
-              <a:rPr lang="en-US" b="1" dirty="0">
-                <a:solidFill>
-                  <a:schemeClr val="bg2">
-                    <a:lumMod val="50000"/>
-                  </a:schemeClr>
-                </a:solidFill>
-                <a:latin typeface="Tahoma" panose="020B0604030504040204" pitchFamily="34" charset="0"/>
-                <a:ea typeface="Tahoma" panose="020B0604030504040204" pitchFamily="34" charset="0"/>
-                <a:cs typeface="Tahoma" panose="020B0604030504040204" pitchFamily="34" charset="0"/>
-              </a:rPr>
-              <a:t>Tag: </a:t>
-            </a:r>
-            <a:r>
-              <a:rPr lang="en-US" dirty="0">
-                <a:latin typeface="Tahoma" panose="020B0604030504040204" pitchFamily="34" charset="0"/>
-                <a:ea typeface="Tahoma" panose="020B0604030504040204" pitchFamily="34" charset="0"/>
-                <a:cs typeface="Tahoma" panose="020B0604030504040204" pitchFamily="34" charset="0"/>
-              </a:rPr>
-              <a:t>The beginning or ending of an element, enclosed in angle brackets.</a:t>
-            </a:r>
-            <a:endParaRPr lang="en-US" b="1" dirty="0">
-              <a:latin typeface="Tahoma" panose="020B0604030504040204" pitchFamily="34" charset="0"/>
-              <a:ea typeface="Tahoma" panose="020B0604030504040204" pitchFamily="34" charset="0"/>
-              <a:cs typeface="Tahoma" panose="020B0604030504040204" pitchFamily="34" charset="0"/>
-            </a:endParaRPr>
-          </a:p>
-          <a:p>
-            <a:pPr marL="457200" lvl="1" indent="0">
-              <a:buNone/>
-            </a:pPr>
-            <a:r>
-              <a:rPr lang="en-US" sz="2600" b="1" dirty="0">
-                <a:solidFill>
-                  <a:schemeClr val="bg2">
-                    <a:lumMod val="50000"/>
-                  </a:schemeClr>
-                </a:solidFill>
-                <a:latin typeface="Tahoma" panose="020B0604030504040204" pitchFamily="34" charset="0"/>
-                <a:ea typeface="Tahoma" panose="020B0604030504040204" pitchFamily="34" charset="0"/>
-                <a:cs typeface="Tahoma" panose="020B0604030504040204" pitchFamily="34" charset="0"/>
-              </a:rPr>
-              <a:t>Element:</a:t>
-            </a:r>
-            <a:r>
-              <a:rPr lang="en-US" sz="2600" b="1" dirty="0">
-                <a:latin typeface="Tahoma" panose="020B0604030504040204" pitchFamily="34" charset="0"/>
-                <a:ea typeface="Tahoma" panose="020B0604030504040204" pitchFamily="34" charset="0"/>
-                <a:cs typeface="Tahoma" panose="020B0604030504040204" pitchFamily="34" charset="0"/>
-              </a:rPr>
-              <a:t> </a:t>
-            </a:r>
-            <a:r>
-              <a:rPr lang="en-US" sz="2600" dirty="0">
-                <a:latin typeface="Tahoma" panose="020B0604030504040204" pitchFamily="34" charset="0"/>
-                <a:ea typeface="Tahoma" panose="020B0604030504040204" pitchFamily="34" charset="0"/>
-                <a:cs typeface="Tahoma" panose="020B0604030504040204" pitchFamily="34" charset="0"/>
-              </a:rPr>
-              <a:t>Everything between matching tags. Corresponds with an object on a page.</a:t>
-            </a:r>
-            <a:endParaRPr lang="en-US" sz="2600" b="1" dirty="0">
-              <a:latin typeface="Tahoma" panose="020B0604030504040204" pitchFamily="34" charset="0"/>
-              <a:ea typeface="Tahoma" panose="020B0604030504040204" pitchFamily="34" charset="0"/>
-              <a:cs typeface="Tahoma" panose="020B0604030504040204" pitchFamily="34" charset="0"/>
-            </a:endParaRPr>
-          </a:p>
-          <a:p>
-            <a:pPr marL="457200" lvl="1" indent="0">
-              <a:buNone/>
-            </a:pPr>
-            <a:r>
-              <a:rPr lang="en-US" b="1" dirty="0">
-                <a:solidFill>
-                  <a:schemeClr val="bg2">
-                    <a:lumMod val="50000"/>
-                  </a:schemeClr>
-                </a:solidFill>
-                <a:latin typeface="Tahoma" panose="020B0604030504040204" pitchFamily="34" charset="0"/>
-                <a:ea typeface="Tahoma" panose="020B0604030504040204" pitchFamily="34" charset="0"/>
-                <a:cs typeface="Tahoma" panose="020B0604030504040204" pitchFamily="34" charset="0"/>
-              </a:rPr>
-              <a:t>Markup: </a:t>
-            </a:r>
-            <a:r>
-              <a:rPr lang="en-US" dirty="0">
-                <a:latin typeface="Tahoma" panose="020B0604030504040204" pitchFamily="34" charset="0"/>
-                <a:ea typeface="Tahoma" panose="020B0604030504040204" pitchFamily="34" charset="0"/>
-                <a:cs typeface="Tahoma" panose="020B0604030504040204" pitchFamily="34" charset="0"/>
-              </a:rPr>
-              <a:t>String between tags to format the elements.</a:t>
-            </a:r>
-            <a:endParaRPr lang="en-US" b="1" dirty="0">
-              <a:latin typeface="Tahoma" panose="020B0604030504040204" pitchFamily="34" charset="0"/>
-              <a:ea typeface="Tahoma" panose="020B0604030504040204" pitchFamily="34" charset="0"/>
-              <a:cs typeface="Tahoma" panose="020B0604030504040204" pitchFamily="34" charset="0"/>
-            </a:endParaRPr>
-          </a:p>
-          <a:p>
-            <a:pPr marL="457200" lvl="1" indent="0">
-              <a:buNone/>
-            </a:pPr>
-            <a:r>
-              <a:rPr lang="en-US" b="1" dirty="0">
-                <a:solidFill>
-                  <a:schemeClr val="bg2">
-                    <a:lumMod val="50000"/>
-                  </a:schemeClr>
-                </a:solidFill>
-                <a:latin typeface="Tahoma" panose="020B0604030504040204" pitchFamily="34" charset="0"/>
-                <a:ea typeface="Tahoma" panose="020B0604030504040204" pitchFamily="34" charset="0"/>
-                <a:cs typeface="Tahoma" panose="020B0604030504040204" pitchFamily="34" charset="0"/>
-              </a:rPr>
-              <a:t>Content:</a:t>
-            </a:r>
-            <a:r>
-              <a:rPr lang="en-US" b="1" dirty="0">
-                <a:latin typeface="Tahoma" panose="020B0604030504040204" pitchFamily="34" charset="0"/>
-                <a:ea typeface="Tahoma" panose="020B0604030504040204" pitchFamily="34" charset="0"/>
-                <a:cs typeface="Tahoma" panose="020B0604030504040204" pitchFamily="34" charset="0"/>
-              </a:rPr>
-              <a:t> </a:t>
-            </a:r>
-            <a:r>
-              <a:rPr lang="en-US" dirty="0">
-                <a:latin typeface="Tahoma" panose="020B0604030504040204" pitchFamily="34" charset="0"/>
-                <a:ea typeface="Tahoma" panose="020B0604030504040204" pitchFamily="34" charset="0"/>
-                <a:cs typeface="Tahoma" panose="020B0604030504040204" pitchFamily="34" charset="0"/>
-              </a:rPr>
-              <a:t>String between tags that is not markup.</a:t>
-            </a:r>
-            <a:endParaRPr lang="en-US" b="1" dirty="0">
-              <a:latin typeface="Tahoma" panose="020B0604030504040204" pitchFamily="34" charset="0"/>
-              <a:ea typeface="Tahoma" panose="020B0604030504040204" pitchFamily="34" charset="0"/>
-              <a:cs typeface="Tahoma" panose="020B0604030504040204" pitchFamily="34" charset="0"/>
-            </a:endParaRPr>
-          </a:p>
-          <a:p>
-            <a:pPr marL="457200" lvl="1" indent="0">
-              <a:buNone/>
-            </a:pPr>
-            <a:r>
-              <a:rPr lang="en-US" b="1" dirty="0">
-                <a:solidFill>
-                  <a:schemeClr val="bg2">
-                    <a:lumMod val="50000"/>
-                  </a:schemeClr>
-                </a:solidFill>
-                <a:latin typeface="Tahoma" panose="020B0604030504040204" pitchFamily="34" charset="0"/>
-                <a:ea typeface="Tahoma" panose="020B0604030504040204" pitchFamily="34" charset="0"/>
-                <a:cs typeface="Tahoma" panose="020B0604030504040204" pitchFamily="34" charset="0"/>
-              </a:rPr>
-              <a:t>Attributes: </a:t>
-            </a:r>
-            <a:r>
-              <a:rPr lang="en-US" dirty="0">
-                <a:latin typeface="Tahoma" panose="020B0604030504040204" pitchFamily="34" charset="0"/>
-                <a:ea typeface="Tahoma" panose="020B0604030504040204" pitchFamily="34" charset="0"/>
-                <a:cs typeface="Tahoma" panose="020B0604030504040204" pitchFamily="34" charset="0"/>
-              </a:rPr>
-              <a:t>Strings inside of tags to modify certain features of an element.</a:t>
-            </a:r>
-            <a:r>
-              <a:rPr lang="en-US" b="1" dirty="0">
-                <a:latin typeface="Tahoma" panose="020B0604030504040204" pitchFamily="34" charset="0"/>
-                <a:ea typeface="Tahoma" panose="020B0604030504040204" pitchFamily="34" charset="0"/>
-                <a:cs typeface="Tahoma" panose="020B0604030504040204" pitchFamily="34" charset="0"/>
-              </a:rPr>
-              <a:t> </a:t>
-            </a:r>
-          </a:p>
-        </p:txBody>
-      </p:sp>
       <p:sp>
         <p:nvSpPr>
           <p:cNvPr id="5" name="Title 1">
@@ -15588,6 +15257,71 @@
               </a:rPr>
               <a:t>XML Terminology</a:t>
             </a:r>
+          </a:p>
+        </p:txBody>
+      </p:sp>
+      <p:sp>
+        <p:nvSpPr>
+          <p:cNvPr id="3" name="Content Placeholder 2">
+            <a:extLst>
+              <a:ext uri="{FF2B5EF4-FFF2-40B4-BE49-F238E27FC236}">
+                <a16:creationId xmlns:a16="http://schemas.microsoft.com/office/drawing/2014/main" id="{4358C35A-CA87-4E45-A0F6-124945EE0A0F}"/>
+              </a:ext>
+            </a:extLst>
+          </p:cNvPr>
+          <p:cNvSpPr>
+            <a:spLocks noGrp="1"/>
+          </p:cNvSpPr>
+          <p:nvPr>
+            <p:ph idx="1"/>
+          </p:nvPr>
+        </p:nvSpPr>
+        <p:spPr>
+          <a:xfrm>
+            <a:off x="1143000" y="1714272"/>
+            <a:ext cx="4794506" cy="3541714"/>
+          </a:xfrm>
+        </p:spPr>
+        <p:txBody>
+          <a:bodyPr anchor="ctr">
+            <a:normAutofit/>
+          </a:bodyPr>
+          <a:lstStyle/>
+          <a:p>
+            <a:pPr marL="457200" lvl="1" indent="0">
+              <a:buNone/>
+            </a:pPr>
+            <a:r>
+              <a:rPr lang="en-US" sz="2600" b="1" dirty="0">
+                <a:solidFill>
+                  <a:schemeClr val="bg2">
+                    <a:lumMod val="50000"/>
+                  </a:schemeClr>
+                </a:solidFill>
+                <a:latin typeface="Tahoma" panose="020B0604030504040204" pitchFamily="34" charset="0"/>
+                <a:ea typeface="Tahoma" panose="020B0604030504040204" pitchFamily="34" charset="0"/>
+                <a:cs typeface="Tahoma" panose="020B0604030504040204" pitchFamily="34" charset="0"/>
+              </a:rPr>
+              <a:t>Element:</a:t>
+            </a:r>
+          </a:p>
+          <a:p>
+            <a:pPr marL="457200" lvl="1" indent="0">
+              <a:buNone/>
+            </a:pPr>
+            <a:r>
+              <a:rPr lang="en-US" sz="2600" dirty="0">
+                <a:latin typeface="Tahoma" panose="020B0604030504040204" pitchFamily="34" charset="0"/>
+                <a:ea typeface="Tahoma" panose="020B0604030504040204" pitchFamily="34" charset="0"/>
+                <a:cs typeface="Tahoma" panose="020B0604030504040204" pitchFamily="34" charset="0"/>
+              </a:rPr>
+              <a:t>Everything between matching tags. Corresponds with an object on a page.</a:t>
+            </a:r>
+            <a:endParaRPr lang="en-US" sz="2600" b="1" dirty="0">
+              <a:latin typeface="Tahoma" panose="020B0604030504040204" pitchFamily="34" charset="0"/>
+              <a:ea typeface="Tahoma" panose="020B0604030504040204" pitchFamily="34" charset="0"/>
+              <a:cs typeface="Tahoma" panose="020B0604030504040204" pitchFamily="34" charset="0"/>
+            </a:endParaRPr>
           </a:p>
         </p:txBody>
       </p:sp>
@@ -15782,7 +15516,7 @@
     </p:extLst>
   </p:cSld>
   <p:clrMapOvr>
-    <a:masterClrMapping/>
+    <a:overrideClrMapping bg1="dk1" tx1="lt1" bg2="dk2" tx2="lt2" accent1="accent1" accent2="accent2" accent3="accent3" accent4="accent4" accent5="accent5" accent6="accent6" hlink="hlink" folHlink="folHlink"/>
   </p:clrMapOvr>
 </p:sld>
 </file>
@@ -15790,6 +15524,11 @@
 <file path=ppt/slides/slide6.xml><?xml version="1.0" encoding="utf-8"?>
 <p:sld xmlns:a="http://schemas.openxmlformats.org/drawingml/2006/main" xmlns:r="http://schemas.openxmlformats.org/officeDocument/2006/relationships" xmlns:p="http://schemas.openxmlformats.org/presentationml/2006/main">
   <p:cSld>
+    <p:bg>
+      <p:bgRef idx="1003">
+        <a:schemeClr val="bg2"/>
+      </p:bgRef>
+    </p:bg>
     <p:spTree>
       <p:nvGrpSpPr>
         <p:cNvPr id="1" name=""/>
@@ -15804,209 +15543,6 @@
           <a:chExt cx="0" cy="0"/>
         </a:xfrm>
       </p:grpSpPr>
-      <p:sp>
-        <p:nvSpPr>
-          <p:cNvPr id="3" name="Content Placeholder 2">
-            <a:extLst>
-              <a:ext uri="{FF2B5EF4-FFF2-40B4-BE49-F238E27FC236}">
-                <a16:creationId xmlns:a16="http://schemas.microsoft.com/office/drawing/2014/main" id="{4358C35A-CA87-4E45-A0F6-124945EE0A0F}"/>
-              </a:ext>
-            </a:extLst>
-          </p:cNvPr>
-          <p:cNvSpPr>
-            <a:spLocks noGrp="1"/>
-          </p:cNvSpPr>
-          <p:nvPr>
-            <p:ph idx="1"/>
-          </p:nvPr>
-        </p:nvSpPr>
-        <p:spPr>
-          <a:xfrm>
-            <a:off x="1142999" y="1714272"/>
-            <a:ext cx="5111497" cy="3541714"/>
-          </a:xfrm>
-        </p:spPr>
-        <p:txBody>
-          <a:bodyPr>
-            <a:normAutofit fontScale="85000" lnSpcReduction="10000"/>
-          </a:bodyPr>
-          <a:lstStyle/>
-          <a:p>
-            <a:pPr marL="457200" lvl="1" indent="0">
-              <a:buNone/>
-            </a:pPr>
-            <a:r>
-              <a:rPr lang="en-US" b="1" dirty="0">
-                <a:solidFill>
-                  <a:schemeClr val="bg2">
-                    <a:lumMod val="50000"/>
-                  </a:schemeClr>
-                </a:solidFill>
-                <a:latin typeface="Tahoma" panose="020B0604030504040204" pitchFamily="34" charset="0"/>
-                <a:ea typeface="Tahoma" panose="020B0604030504040204" pitchFamily="34" charset="0"/>
-                <a:cs typeface="Tahoma" panose="020B0604030504040204" pitchFamily="34" charset="0"/>
-              </a:rPr>
-              <a:t>Tag: </a:t>
-            </a:r>
-            <a:r>
-              <a:rPr lang="en-US" dirty="0">
-                <a:latin typeface="Tahoma" panose="020B0604030504040204" pitchFamily="34" charset="0"/>
-                <a:ea typeface="Tahoma" panose="020B0604030504040204" pitchFamily="34" charset="0"/>
-                <a:cs typeface="Tahoma" panose="020B0604030504040204" pitchFamily="34" charset="0"/>
-              </a:rPr>
-              <a:t>The beginning or ending of an element, enclosed in angle brackets.</a:t>
-            </a:r>
-            <a:endParaRPr lang="en-US" b="1" dirty="0">
-              <a:latin typeface="Tahoma" panose="020B0604030504040204" pitchFamily="34" charset="0"/>
-              <a:ea typeface="Tahoma" panose="020B0604030504040204" pitchFamily="34" charset="0"/>
-              <a:cs typeface="Tahoma" panose="020B0604030504040204" pitchFamily="34" charset="0"/>
-            </a:endParaRPr>
-          </a:p>
-          <a:p>
-            <a:pPr marL="457200" lvl="1" indent="0">
-              <a:buNone/>
-            </a:pPr>
-            <a:r>
-              <a:rPr lang="en-US" b="1" dirty="0">
-                <a:solidFill>
-                  <a:schemeClr val="bg2">
-                    <a:lumMod val="50000"/>
-                  </a:schemeClr>
-                </a:solidFill>
-                <a:latin typeface="Tahoma" panose="020B0604030504040204" pitchFamily="34" charset="0"/>
-                <a:ea typeface="Tahoma" panose="020B0604030504040204" pitchFamily="34" charset="0"/>
-                <a:cs typeface="Tahoma" panose="020B0604030504040204" pitchFamily="34" charset="0"/>
-              </a:rPr>
-              <a:t>Element:</a:t>
-            </a:r>
-            <a:r>
-              <a:rPr lang="en-US" b="1" dirty="0">
-                <a:latin typeface="Tahoma" panose="020B0604030504040204" pitchFamily="34" charset="0"/>
-                <a:ea typeface="Tahoma" panose="020B0604030504040204" pitchFamily="34" charset="0"/>
-                <a:cs typeface="Tahoma" panose="020B0604030504040204" pitchFamily="34" charset="0"/>
-              </a:rPr>
-              <a:t> </a:t>
-            </a:r>
-            <a:r>
-              <a:rPr lang="en-US" dirty="0">
-                <a:latin typeface="Tahoma" panose="020B0604030504040204" pitchFamily="34" charset="0"/>
-                <a:ea typeface="Tahoma" panose="020B0604030504040204" pitchFamily="34" charset="0"/>
-                <a:cs typeface="Tahoma" panose="020B0604030504040204" pitchFamily="34" charset="0"/>
-              </a:rPr>
-              <a:t>Everything between matching tags. Corresponds with an object on a page.</a:t>
-            </a:r>
-            <a:endParaRPr lang="en-US" b="1" dirty="0">
-              <a:latin typeface="Tahoma" panose="020B0604030504040204" pitchFamily="34" charset="0"/>
-              <a:ea typeface="Tahoma" panose="020B0604030504040204" pitchFamily="34" charset="0"/>
-              <a:cs typeface="Tahoma" panose="020B0604030504040204" pitchFamily="34" charset="0"/>
-            </a:endParaRPr>
-          </a:p>
-          <a:p>
-            <a:pPr marL="457200" lvl="1" indent="0">
-              <a:buNone/>
-            </a:pPr>
-            <a:r>
-              <a:rPr lang="en-US" sz="2600" b="1" dirty="0">
-                <a:solidFill>
-                  <a:schemeClr val="bg2">
-                    <a:lumMod val="50000"/>
-                  </a:schemeClr>
-                </a:solidFill>
-                <a:latin typeface="Tahoma" panose="020B0604030504040204" pitchFamily="34" charset="0"/>
-                <a:ea typeface="Tahoma" panose="020B0604030504040204" pitchFamily="34" charset="0"/>
-                <a:cs typeface="Tahoma" panose="020B0604030504040204" pitchFamily="34" charset="0"/>
-              </a:rPr>
-              <a:t>Markup: </a:t>
-            </a:r>
-            <a:r>
-              <a:rPr lang="en-US" sz="2600" dirty="0">
-                <a:latin typeface="Tahoma" panose="020B0604030504040204" pitchFamily="34" charset="0"/>
-                <a:ea typeface="Tahoma" panose="020B0604030504040204" pitchFamily="34" charset="0"/>
-                <a:cs typeface="Tahoma" panose="020B0604030504040204" pitchFamily="34" charset="0"/>
-              </a:rPr>
-              <a:t>String between tags to format the elements.</a:t>
-            </a:r>
-            <a:endParaRPr lang="en-US" sz="2600" b="1" dirty="0">
-              <a:latin typeface="Tahoma" panose="020B0604030504040204" pitchFamily="34" charset="0"/>
-              <a:ea typeface="Tahoma" panose="020B0604030504040204" pitchFamily="34" charset="0"/>
-              <a:cs typeface="Tahoma" panose="020B0604030504040204" pitchFamily="34" charset="0"/>
-            </a:endParaRPr>
-          </a:p>
-          <a:p>
-            <a:pPr marL="457200" lvl="1" indent="0">
-              <a:buNone/>
-            </a:pPr>
-            <a:r>
-              <a:rPr lang="en-US" b="1" dirty="0">
-                <a:solidFill>
-                  <a:schemeClr val="bg2">
-                    <a:lumMod val="50000"/>
-                  </a:schemeClr>
-                </a:solidFill>
-                <a:latin typeface="Tahoma" panose="020B0604030504040204" pitchFamily="34" charset="0"/>
-                <a:ea typeface="Tahoma" panose="020B0604030504040204" pitchFamily="34" charset="0"/>
-                <a:cs typeface="Tahoma" panose="020B0604030504040204" pitchFamily="34" charset="0"/>
-              </a:rPr>
-              <a:t>Content:</a:t>
-            </a:r>
-            <a:r>
-              <a:rPr lang="en-US" b="1" dirty="0">
-                <a:latin typeface="Tahoma" panose="020B0604030504040204" pitchFamily="34" charset="0"/>
-                <a:ea typeface="Tahoma" panose="020B0604030504040204" pitchFamily="34" charset="0"/>
-                <a:cs typeface="Tahoma" panose="020B0604030504040204" pitchFamily="34" charset="0"/>
-              </a:rPr>
-              <a:t> </a:t>
-            </a:r>
-            <a:r>
-              <a:rPr lang="en-US" dirty="0">
-                <a:latin typeface="Tahoma" panose="020B0604030504040204" pitchFamily="34" charset="0"/>
-                <a:ea typeface="Tahoma" panose="020B0604030504040204" pitchFamily="34" charset="0"/>
-                <a:cs typeface="Tahoma" panose="020B0604030504040204" pitchFamily="34" charset="0"/>
-              </a:rPr>
-              <a:t>String between tags that is not markup.</a:t>
-            </a:r>
-            <a:endParaRPr lang="en-US" b="1" dirty="0">
-              <a:latin typeface="Tahoma" panose="020B0604030504040204" pitchFamily="34" charset="0"/>
-              <a:ea typeface="Tahoma" panose="020B0604030504040204" pitchFamily="34" charset="0"/>
-              <a:cs typeface="Tahoma" panose="020B0604030504040204" pitchFamily="34" charset="0"/>
-            </a:endParaRPr>
-          </a:p>
-          <a:p>
-            <a:pPr marL="457200" lvl="1" indent="0">
-              <a:buNone/>
-            </a:pPr>
-            <a:r>
-              <a:rPr lang="en-US" b="1" dirty="0">
-                <a:solidFill>
-                  <a:schemeClr val="bg2">
-                    <a:lumMod val="50000"/>
-                  </a:schemeClr>
-                </a:solidFill>
-                <a:latin typeface="Tahoma" panose="020B0604030504040204" pitchFamily="34" charset="0"/>
-                <a:ea typeface="Tahoma" panose="020B0604030504040204" pitchFamily="34" charset="0"/>
-                <a:cs typeface="Tahoma" panose="020B0604030504040204" pitchFamily="34" charset="0"/>
-              </a:rPr>
-              <a:t>Attributes: </a:t>
-            </a:r>
-            <a:r>
-              <a:rPr lang="en-US" dirty="0">
-                <a:latin typeface="Tahoma" panose="020B0604030504040204" pitchFamily="34" charset="0"/>
-                <a:ea typeface="Tahoma" panose="020B0604030504040204" pitchFamily="34" charset="0"/>
-                <a:cs typeface="Tahoma" panose="020B0604030504040204" pitchFamily="34" charset="0"/>
-              </a:rPr>
-              <a:t>Strings inside of tags to modify certain features of an element.</a:t>
-            </a:r>
-            <a:r>
-              <a:rPr lang="en-US" b="1" dirty="0">
-                <a:latin typeface="Tahoma" panose="020B0604030504040204" pitchFamily="34" charset="0"/>
-                <a:ea typeface="Tahoma" panose="020B0604030504040204" pitchFamily="34" charset="0"/>
-                <a:cs typeface="Tahoma" panose="020B0604030504040204" pitchFamily="34" charset="0"/>
-              </a:rPr>
-              <a:t> </a:t>
-            </a:r>
-          </a:p>
-        </p:txBody>
-      </p:sp>
       <p:sp>
         <p:nvSpPr>
           <p:cNvPr id="5" name="Title 1">
@@ -16047,6 +15583,76 @@
               </a:rPr>
               <a:t>XML Terminology</a:t>
             </a:r>
+          </a:p>
+        </p:txBody>
+      </p:sp>
+      <p:sp>
+        <p:nvSpPr>
+          <p:cNvPr id="3" name="Content Placeholder 2">
+            <a:extLst>
+              <a:ext uri="{FF2B5EF4-FFF2-40B4-BE49-F238E27FC236}">
+                <a16:creationId xmlns:a16="http://schemas.microsoft.com/office/drawing/2014/main" id="{4358C35A-CA87-4E45-A0F6-124945EE0A0F}"/>
+              </a:ext>
+            </a:extLst>
+          </p:cNvPr>
+          <p:cNvSpPr>
+            <a:spLocks noGrp="1"/>
+          </p:cNvSpPr>
+          <p:nvPr>
+            <p:ph idx="1"/>
+          </p:nvPr>
+        </p:nvSpPr>
+        <p:spPr>
+          <a:xfrm>
+            <a:off x="1143000" y="1714272"/>
+            <a:ext cx="4794506" cy="3541714"/>
+          </a:xfrm>
+        </p:spPr>
+        <p:txBody>
+          <a:bodyPr anchor="ctr">
+            <a:normAutofit/>
+          </a:bodyPr>
+          <a:lstStyle/>
+          <a:p>
+            <a:pPr marL="457200" lvl="1" indent="0">
+              <a:buNone/>
+            </a:pPr>
+            <a:r>
+              <a:rPr lang="en-US" sz="2600" b="1" dirty="0">
+                <a:solidFill>
+                  <a:schemeClr val="bg2">
+                    <a:lumMod val="50000"/>
+                  </a:schemeClr>
+                </a:solidFill>
+                <a:latin typeface="Tahoma" panose="020B0604030504040204" pitchFamily="34" charset="0"/>
+                <a:ea typeface="Tahoma" panose="020B0604030504040204" pitchFamily="34" charset="0"/>
+                <a:cs typeface="Tahoma" panose="020B0604030504040204" pitchFamily="34" charset="0"/>
+              </a:rPr>
+              <a:t>Markup:</a:t>
+            </a:r>
+          </a:p>
+          <a:p>
+            <a:pPr marL="457200" lvl="1" indent="0">
+              <a:buNone/>
+            </a:pPr>
+            <a:r>
+              <a:rPr lang="en-US" sz="2600" dirty="0">
+                <a:latin typeface="Tahoma" panose="020B0604030504040204" pitchFamily="34" charset="0"/>
+                <a:ea typeface="Tahoma" panose="020B0604030504040204" pitchFamily="34" charset="0"/>
+                <a:cs typeface="Tahoma" panose="020B0604030504040204" pitchFamily="34" charset="0"/>
+              </a:rPr>
+              <a:t>String between tags to format the elements.</a:t>
+            </a:r>
+            <a:endParaRPr lang="en-US" b="1" dirty="0">
+              <a:solidFill>
+                <a:schemeClr val="tx1">
+                  <a:lumMod val="85000"/>
+                </a:schemeClr>
+              </a:solidFill>
+              <a:latin typeface="Tahoma" panose="020B0604030504040204" pitchFamily="34" charset="0"/>
+              <a:ea typeface="Tahoma" panose="020B0604030504040204" pitchFamily="34" charset="0"/>
+              <a:cs typeface="Tahoma" panose="020B0604030504040204" pitchFamily="34" charset="0"/>
+            </a:endParaRPr>
           </a:p>
         </p:txBody>
       </p:sp>
@@ -16241,7 +15847,7 @@
     </p:extLst>
   </p:cSld>
   <p:clrMapOvr>
-    <a:masterClrMapping/>
+    <a:overrideClrMapping bg1="dk1" tx1="lt1" bg2="dk2" tx2="lt2" accent1="accent1" accent2="accent2" accent3="accent3" accent4="accent4" accent5="accent5" accent6="accent6" hlink="hlink" folHlink="folHlink"/>
   </p:clrMapOvr>
 </p:sld>
 </file>
@@ -16249,6 +15855,11 @@
 <file path=ppt/slides/slide7.xml><?xml version="1.0" encoding="utf-8"?>
 <p:sld xmlns:a="http://schemas.openxmlformats.org/drawingml/2006/main" xmlns:r="http://schemas.openxmlformats.org/officeDocument/2006/relationships" xmlns:p="http://schemas.openxmlformats.org/presentationml/2006/main">
   <p:cSld>
+    <p:bg>
+      <p:bgRef idx="1003">
+        <a:schemeClr val="bg2"/>
+      </p:bgRef>
+    </p:bg>
     <p:spTree>
       <p:nvGrpSpPr>
         <p:cNvPr id="1" name=""/>
@@ -16263,209 +15874,6 @@
           <a:chExt cx="0" cy="0"/>
         </a:xfrm>
       </p:grpSpPr>
-      <p:sp>
-        <p:nvSpPr>
-          <p:cNvPr id="3" name="Content Placeholder 2">
-            <a:extLst>
-              <a:ext uri="{FF2B5EF4-FFF2-40B4-BE49-F238E27FC236}">
-                <a16:creationId xmlns:a16="http://schemas.microsoft.com/office/drawing/2014/main" id="{4358C35A-CA87-4E45-A0F6-124945EE0A0F}"/>
-              </a:ext>
-            </a:extLst>
-          </p:cNvPr>
-          <p:cNvSpPr>
-            <a:spLocks noGrp="1"/>
-          </p:cNvSpPr>
-          <p:nvPr>
-            <p:ph idx="1"/>
-          </p:nvPr>
-        </p:nvSpPr>
-        <p:spPr>
-          <a:xfrm>
-            <a:off x="1142999" y="1714272"/>
-            <a:ext cx="5111497" cy="3541714"/>
-          </a:xfrm>
-        </p:spPr>
-        <p:txBody>
-          <a:bodyPr>
-            <a:normAutofit fontScale="85000" lnSpcReduction="10000"/>
-          </a:bodyPr>
-          <a:lstStyle/>
-          <a:p>
-            <a:pPr marL="457200" lvl="1" indent="0">
-              <a:buNone/>
-            </a:pPr>
-            <a:r>
-              <a:rPr lang="en-US" b="1" dirty="0">
-                <a:solidFill>
-                  <a:schemeClr val="bg2">
-                    <a:lumMod val="50000"/>
-                  </a:schemeClr>
-                </a:solidFill>
-                <a:latin typeface="Tahoma" panose="020B0604030504040204" pitchFamily="34" charset="0"/>
-                <a:ea typeface="Tahoma" panose="020B0604030504040204" pitchFamily="34" charset="0"/>
-                <a:cs typeface="Tahoma" panose="020B0604030504040204" pitchFamily="34" charset="0"/>
-              </a:rPr>
-              <a:t>Tag: </a:t>
-            </a:r>
-            <a:r>
-              <a:rPr lang="en-US" dirty="0">
-                <a:latin typeface="Tahoma" panose="020B0604030504040204" pitchFamily="34" charset="0"/>
-                <a:ea typeface="Tahoma" panose="020B0604030504040204" pitchFamily="34" charset="0"/>
-                <a:cs typeface="Tahoma" panose="020B0604030504040204" pitchFamily="34" charset="0"/>
-              </a:rPr>
-              <a:t>The beginning or ending of an element, enclosed in angle brackets.</a:t>
-            </a:r>
-            <a:endParaRPr lang="en-US" b="1" dirty="0">
-              <a:latin typeface="Tahoma" panose="020B0604030504040204" pitchFamily="34" charset="0"/>
-              <a:ea typeface="Tahoma" panose="020B0604030504040204" pitchFamily="34" charset="0"/>
-              <a:cs typeface="Tahoma" panose="020B0604030504040204" pitchFamily="34" charset="0"/>
-            </a:endParaRPr>
-          </a:p>
-          <a:p>
-            <a:pPr marL="457200" lvl="1" indent="0">
-              <a:buNone/>
-            </a:pPr>
-            <a:r>
-              <a:rPr lang="en-US" b="1" dirty="0">
-                <a:solidFill>
-                  <a:schemeClr val="bg2">
-                    <a:lumMod val="50000"/>
-                  </a:schemeClr>
-                </a:solidFill>
-                <a:latin typeface="Tahoma" panose="020B0604030504040204" pitchFamily="34" charset="0"/>
-                <a:ea typeface="Tahoma" panose="020B0604030504040204" pitchFamily="34" charset="0"/>
-                <a:cs typeface="Tahoma" panose="020B0604030504040204" pitchFamily="34" charset="0"/>
-              </a:rPr>
-              <a:t>Element:</a:t>
-            </a:r>
-            <a:r>
-              <a:rPr lang="en-US" b="1" dirty="0">
-                <a:latin typeface="Tahoma" panose="020B0604030504040204" pitchFamily="34" charset="0"/>
-                <a:ea typeface="Tahoma" panose="020B0604030504040204" pitchFamily="34" charset="0"/>
-                <a:cs typeface="Tahoma" panose="020B0604030504040204" pitchFamily="34" charset="0"/>
-              </a:rPr>
-              <a:t> </a:t>
-            </a:r>
-            <a:r>
-              <a:rPr lang="en-US" dirty="0">
-                <a:latin typeface="Tahoma" panose="020B0604030504040204" pitchFamily="34" charset="0"/>
-                <a:ea typeface="Tahoma" panose="020B0604030504040204" pitchFamily="34" charset="0"/>
-                <a:cs typeface="Tahoma" panose="020B0604030504040204" pitchFamily="34" charset="0"/>
-              </a:rPr>
-              <a:t>Everything between matching tags. Corresponds with an object on a page.</a:t>
-            </a:r>
-            <a:endParaRPr lang="en-US" b="1" dirty="0">
-              <a:latin typeface="Tahoma" panose="020B0604030504040204" pitchFamily="34" charset="0"/>
-              <a:ea typeface="Tahoma" panose="020B0604030504040204" pitchFamily="34" charset="0"/>
-              <a:cs typeface="Tahoma" panose="020B0604030504040204" pitchFamily="34" charset="0"/>
-            </a:endParaRPr>
-          </a:p>
-          <a:p>
-            <a:pPr marL="457200" lvl="1" indent="0">
-              <a:buNone/>
-            </a:pPr>
-            <a:r>
-              <a:rPr lang="en-US" b="1" dirty="0">
-                <a:solidFill>
-                  <a:schemeClr val="bg2">
-                    <a:lumMod val="50000"/>
-                  </a:schemeClr>
-                </a:solidFill>
-                <a:latin typeface="Tahoma" panose="020B0604030504040204" pitchFamily="34" charset="0"/>
-                <a:ea typeface="Tahoma" panose="020B0604030504040204" pitchFamily="34" charset="0"/>
-                <a:cs typeface="Tahoma" panose="020B0604030504040204" pitchFamily="34" charset="0"/>
-              </a:rPr>
-              <a:t>Markup: </a:t>
-            </a:r>
-            <a:r>
-              <a:rPr lang="en-US" dirty="0">
-                <a:latin typeface="Tahoma" panose="020B0604030504040204" pitchFamily="34" charset="0"/>
-                <a:ea typeface="Tahoma" panose="020B0604030504040204" pitchFamily="34" charset="0"/>
-                <a:cs typeface="Tahoma" panose="020B0604030504040204" pitchFamily="34" charset="0"/>
-              </a:rPr>
-              <a:t>String between tags to format the elements.</a:t>
-            </a:r>
-            <a:endParaRPr lang="en-US" b="1" dirty="0">
-              <a:latin typeface="Tahoma" panose="020B0604030504040204" pitchFamily="34" charset="0"/>
-              <a:ea typeface="Tahoma" panose="020B0604030504040204" pitchFamily="34" charset="0"/>
-              <a:cs typeface="Tahoma" panose="020B0604030504040204" pitchFamily="34" charset="0"/>
-            </a:endParaRPr>
-          </a:p>
-          <a:p>
-            <a:pPr marL="457200" lvl="1" indent="0">
-              <a:buNone/>
-            </a:pPr>
-            <a:r>
-              <a:rPr lang="en-US" sz="2800" b="1" dirty="0">
-                <a:solidFill>
-                  <a:schemeClr val="bg2">
-                    <a:lumMod val="50000"/>
-                  </a:schemeClr>
-                </a:solidFill>
-                <a:latin typeface="Tahoma" panose="020B0604030504040204" pitchFamily="34" charset="0"/>
-                <a:ea typeface="Tahoma" panose="020B0604030504040204" pitchFamily="34" charset="0"/>
-                <a:cs typeface="Tahoma" panose="020B0604030504040204" pitchFamily="34" charset="0"/>
-              </a:rPr>
-              <a:t>Content:</a:t>
-            </a:r>
-            <a:r>
-              <a:rPr lang="en-US" sz="2800" b="1" dirty="0">
-                <a:latin typeface="Tahoma" panose="020B0604030504040204" pitchFamily="34" charset="0"/>
-                <a:ea typeface="Tahoma" panose="020B0604030504040204" pitchFamily="34" charset="0"/>
-                <a:cs typeface="Tahoma" panose="020B0604030504040204" pitchFamily="34" charset="0"/>
-              </a:rPr>
-              <a:t> </a:t>
-            </a:r>
-            <a:r>
-              <a:rPr lang="en-US" sz="2800" dirty="0">
-                <a:latin typeface="Tahoma" panose="020B0604030504040204" pitchFamily="34" charset="0"/>
-                <a:ea typeface="Tahoma" panose="020B0604030504040204" pitchFamily="34" charset="0"/>
-                <a:cs typeface="Tahoma" panose="020B0604030504040204" pitchFamily="34" charset="0"/>
-              </a:rPr>
-              <a:t>String between tags that is not markup.</a:t>
-            </a:r>
-            <a:endParaRPr lang="en-US" sz="2800" b="1" dirty="0">
-              <a:latin typeface="Tahoma" panose="020B0604030504040204" pitchFamily="34" charset="0"/>
-              <a:ea typeface="Tahoma" panose="020B0604030504040204" pitchFamily="34" charset="0"/>
-              <a:cs typeface="Tahoma" panose="020B0604030504040204" pitchFamily="34" charset="0"/>
-            </a:endParaRPr>
-          </a:p>
-          <a:p>
-            <a:pPr marL="457200" lvl="1" indent="0">
-              <a:buNone/>
-            </a:pPr>
-            <a:r>
-              <a:rPr lang="en-US" b="1" dirty="0">
-                <a:solidFill>
-                  <a:schemeClr val="bg2">
-                    <a:lumMod val="50000"/>
-                  </a:schemeClr>
-                </a:solidFill>
-                <a:latin typeface="Tahoma" panose="020B0604030504040204" pitchFamily="34" charset="0"/>
-                <a:ea typeface="Tahoma" panose="020B0604030504040204" pitchFamily="34" charset="0"/>
-                <a:cs typeface="Tahoma" panose="020B0604030504040204" pitchFamily="34" charset="0"/>
-              </a:rPr>
-              <a:t>Attributes: </a:t>
-            </a:r>
-            <a:r>
-              <a:rPr lang="en-US" dirty="0">
-                <a:latin typeface="Tahoma" panose="020B0604030504040204" pitchFamily="34" charset="0"/>
-                <a:ea typeface="Tahoma" panose="020B0604030504040204" pitchFamily="34" charset="0"/>
-                <a:cs typeface="Tahoma" panose="020B0604030504040204" pitchFamily="34" charset="0"/>
-              </a:rPr>
-              <a:t>Strings inside of tags to modify certain features of an element.</a:t>
-            </a:r>
-            <a:r>
-              <a:rPr lang="en-US" b="1" dirty="0">
-                <a:latin typeface="Tahoma" panose="020B0604030504040204" pitchFamily="34" charset="0"/>
-                <a:ea typeface="Tahoma" panose="020B0604030504040204" pitchFamily="34" charset="0"/>
-                <a:cs typeface="Tahoma" panose="020B0604030504040204" pitchFamily="34" charset="0"/>
-              </a:rPr>
-              <a:t> </a:t>
-            </a:r>
-          </a:p>
-        </p:txBody>
-      </p:sp>
       <p:sp>
         <p:nvSpPr>
           <p:cNvPr id="5" name="Title 1">
@@ -16506,6 +15914,76 @@
               </a:rPr>
               <a:t>XML Terminology</a:t>
             </a:r>
+          </a:p>
+        </p:txBody>
+      </p:sp>
+      <p:sp>
+        <p:nvSpPr>
+          <p:cNvPr id="3" name="Content Placeholder 2">
+            <a:extLst>
+              <a:ext uri="{FF2B5EF4-FFF2-40B4-BE49-F238E27FC236}">
+                <a16:creationId xmlns:a16="http://schemas.microsoft.com/office/drawing/2014/main" id="{4358C35A-CA87-4E45-A0F6-124945EE0A0F}"/>
+              </a:ext>
+            </a:extLst>
+          </p:cNvPr>
+          <p:cNvSpPr>
+            <a:spLocks noGrp="1"/>
+          </p:cNvSpPr>
+          <p:nvPr>
+            <p:ph idx="1"/>
+          </p:nvPr>
+        </p:nvSpPr>
+        <p:spPr>
+          <a:xfrm>
+            <a:off x="1143000" y="1714272"/>
+            <a:ext cx="4794506" cy="3541714"/>
+          </a:xfrm>
+        </p:spPr>
+        <p:txBody>
+          <a:bodyPr anchor="ctr">
+            <a:normAutofit/>
+          </a:bodyPr>
+          <a:lstStyle/>
+          <a:p>
+            <a:pPr marL="457200" lvl="1" indent="0">
+              <a:buNone/>
+            </a:pPr>
+            <a:r>
+              <a:rPr lang="en-US" sz="2600" b="1" dirty="0">
+                <a:solidFill>
+                  <a:schemeClr val="bg2">
+                    <a:lumMod val="50000"/>
+                  </a:schemeClr>
+                </a:solidFill>
+                <a:latin typeface="Tahoma" panose="020B0604030504040204" pitchFamily="34" charset="0"/>
+                <a:ea typeface="Tahoma" panose="020B0604030504040204" pitchFamily="34" charset="0"/>
+                <a:cs typeface="Tahoma" panose="020B0604030504040204" pitchFamily="34" charset="0"/>
+              </a:rPr>
+              <a:t>Content:</a:t>
+            </a:r>
+          </a:p>
+          <a:p>
+            <a:pPr marL="457200" lvl="1" indent="0">
+              <a:buNone/>
+            </a:pPr>
+            <a:r>
+              <a:rPr lang="en-US" sz="2600" dirty="0">
+                <a:latin typeface="Tahoma" panose="020B0604030504040204" pitchFamily="34" charset="0"/>
+                <a:ea typeface="Tahoma" panose="020B0604030504040204" pitchFamily="34" charset="0"/>
+                <a:cs typeface="Tahoma" panose="020B0604030504040204" pitchFamily="34" charset="0"/>
+              </a:rPr>
+              <a:t>String between tags that is not markup.</a:t>
+            </a:r>
+            <a:endParaRPr lang="en-US" sz="2600" b="1" dirty="0">
+              <a:solidFill>
+                <a:schemeClr val="tx1">
+                  <a:lumMod val="85000"/>
+                </a:schemeClr>
+              </a:solidFill>
+              <a:latin typeface="Tahoma" panose="020B0604030504040204" pitchFamily="34" charset="0"/>
+              <a:ea typeface="Tahoma" panose="020B0604030504040204" pitchFamily="34" charset="0"/>
+              <a:cs typeface="Tahoma" panose="020B0604030504040204" pitchFamily="34" charset="0"/>
+            </a:endParaRPr>
           </a:p>
         </p:txBody>
       </p:sp>
@@ -16661,7 +16139,7 @@
     </p:extLst>
   </p:cSld>
   <p:clrMapOvr>
-    <a:masterClrMapping/>
+    <a:overrideClrMapping bg1="dk1" tx1="lt1" bg2="dk2" tx2="lt2" accent1="accent1" accent2="accent2" accent3="accent3" accent4="accent4" accent5="accent5" accent6="accent6" hlink="hlink" folHlink="folHlink"/>
   </p:clrMapOvr>
 </p:sld>
 </file>
@@ -16669,6 +16147,11 @@
 <file path=ppt/slides/slide8.xml><?xml version="1.0" encoding="utf-8"?>
 <p:sld xmlns:a="http://schemas.openxmlformats.org/drawingml/2006/main" xmlns:r="http://schemas.openxmlformats.org/officeDocument/2006/relationships" xmlns:p="http://schemas.openxmlformats.org/presentationml/2006/main">
   <p:cSld>
+    <p:bg>
+      <p:bgRef idx="1003">
+        <a:schemeClr val="bg2"/>
+      </p:bgRef>
+    </p:bg>
     <p:spTree>
       <p:nvGrpSpPr>
         <p:cNvPr id="1" name=""/>
@@ -16683,209 +16166,6 @@
           <a:chExt cx="0" cy="0"/>
         </a:xfrm>
       </p:grpSpPr>
-      <p:sp>
-        <p:nvSpPr>
-          <p:cNvPr id="3" name="Content Placeholder 2">
-            <a:extLst>
-              <a:ext uri="{FF2B5EF4-FFF2-40B4-BE49-F238E27FC236}">
-                <a16:creationId xmlns:a16="http://schemas.microsoft.com/office/drawing/2014/main" id="{4358C35A-CA87-4E45-A0F6-124945EE0A0F}"/>
-              </a:ext>
-            </a:extLst>
-          </p:cNvPr>
-          <p:cNvSpPr>
-            <a:spLocks noGrp="1"/>
-          </p:cNvSpPr>
-          <p:nvPr>
-            <p:ph idx="1"/>
-          </p:nvPr>
-        </p:nvSpPr>
-        <p:spPr>
-          <a:xfrm>
-            <a:off x="1142999" y="1714272"/>
-            <a:ext cx="5111497" cy="3541714"/>
-          </a:xfrm>
-        </p:spPr>
-        <p:txBody>
-          <a:bodyPr>
-            <a:normAutofit fontScale="85000" lnSpcReduction="20000"/>
-          </a:bodyPr>
-          <a:lstStyle/>
-          <a:p>
-            <a:pPr marL="457200" lvl="1" indent="0">
-              <a:buNone/>
-            </a:pPr>
-            <a:r>
-              <a:rPr lang="en-US" b="1" dirty="0">
-                <a:solidFill>
-                  <a:schemeClr val="bg2">
-                    <a:lumMod val="50000"/>
-                  </a:schemeClr>
-                </a:solidFill>
-                <a:latin typeface="Tahoma" panose="020B0604030504040204" pitchFamily="34" charset="0"/>
-                <a:ea typeface="Tahoma" panose="020B0604030504040204" pitchFamily="34" charset="0"/>
-                <a:cs typeface="Tahoma" panose="020B0604030504040204" pitchFamily="34" charset="0"/>
-              </a:rPr>
-              <a:t>Tag: </a:t>
-            </a:r>
-            <a:r>
-              <a:rPr lang="en-US" dirty="0">
-                <a:latin typeface="Tahoma" panose="020B0604030504040204" pitchFamily="34" charset="0"/>
-                <a:ea typeface="Tahoma" panose="020B0604030504040204" pitchFamily="34" charset="0"/>
-                <a:cs typeface="Tahoma" panose="020B0604030504040204" pitchFamily="34" charset="0"/>
-              </a:rPr>
-              <a:t>The beginning or ending of an element, enclosed in angle brackets.</a:t>
-            </a:r>
-            <a:endParaRPr lang="en-US" b="1" dirty="0">
-              <a:latin typeface="Tahoma" panose="020B0604030504040204" pitchFamily="34" charset="0"/>
-              <a:ea typeface="Tahoma" panose="020B0604030504040204" pitchFamily="34" charset="0"/>
-              <a:cs typeface="Tahoma" panose="020B0604030504040204" pitchFamily="34" charset="0"/>
-            </a:endParaRPr>
-          </a:p>
-          <a:p>
-            <a:pPr marL="457200" lvl="1" indent="0">
-              <a:buNone/>
-            </a:pPr>
-            <a:r>
-              <a:rPr lang="en-US" b="1" dirty="0">
-                <a:solidFill>
-                  <a:schemeClr val="bg2">
-                    <a:lumMod val="50000"/>
-                  </a:schemeClr>
-                </a:solidFill>
-                <a:latin typeface="Tahoma" panose="020B0604030504040204" pitchFamily="34" charset="0"/>
-                <a:ea typeface="Tahoma" panose="020B0604030504040204" pitchFamily="34" charset="0"/>
-                <a:cs typeface="Tahoma" panose="020B0604030504040204" pitchFamily="34" charset="0"/>
-              </a:rPr>
-              <a:t>Element:</a:t>
-            </a:r>
-            <a:r>
-              <a:rPr lang="en-US" b="1" dirty="0">
-                <a:latin typeface="Tahoma" panose="020B0604030504040204" pitchFamily="34" charset="0"/>
-                <a:ea typeface="Tahoma" panose="020B0604030504040204" pitchFamily="34" charset="0"/>
-                <a:cs typeface="Tahoma" panose="020B0604030504040204" pitchFamily="34" charset="0"/>
-              </a:rPr>
-              <a:t> </a:t>
-            </a:r>
-            <a:r>
-              <a:rPr lang="en-US" dirty="0">
-                <a:latin typeface="Tahoma" panose="020B0604030504040204" pitchFamily="34" charset="0"/>
-                <a:ea typeface="Tahoma" panose="020B0604030504040204" pitchFamily="34" charset="0"/>
-                <a:cs typeface="Tahoma" panose="020B0604030504040204" pitchFamily="34" charset="0"/>
-              </a:rPr>
-              <a:t>Everything between matching tags. Corresponds with an object on a page.</a:t>
-            </a:r>
-            <a:endParaRPr lang="en-US" b="1" dirty="0">
-              <a:latin typeface="Tahoma" panose="020B0604030504040204" pitchFamily="34" charset="0"/>
-              <a:ea typeface="Tahoma" panose="020B0604030504040204" pitchFamily="34" charset="0"/>
-              <a:cs typeface="Tahoma" panose="020B0604030504040204" pitchFamily="34" charset="0"/>
-            </a:endParaRPr>
-          </a:p>
-          <a:p>
-            <a:pPr marL="457200" lvl="1" indent="0">
-              <a:buNone/>
-            </a:pPr>
-            <a:r>
-              <a:rPr lang="en-US" b="1" dirty="0">
-                <a:solidFill>
-                  <a:schemeClr val="bg2">
-                    <a:lumMod val="50000"/>
-                  </a:schemeClr>
-                </a:solidFill>
-                <a:latin typeface="Tahoma" panose="020B0604030504040204" pitchFamily="34" charset="0"/>
-                <a:ea typeface="Tahoma" panose="020B0604030504040204" pitchFamily="34" charset="0"/>
-                <a:cs typeface="Tahoma" panose="020B0604030504040204" pitchFamily="34" charset="0"/>
-              </a:rPr>
-              <a:t>Markup: </a:t>
-            </a:r>
-            <a:r>
-              <a:rPr lang="en-US" dirty="0">
-                <a:latin typeface="Tahoma" panose="020B0604030504040204" pitchFamily="34" charset="0"/>
-                <a:ea typeface="Tahoma" panose="020B0604030504040204" pitchFamily="34" charset="0"/>
-                <a:cs typeface="Tahoma" panose="020B0604030504040204" pitchFamily="34" charset="0"/>
-              </a:rPr>
-              <a:t>String between tags to format the elements.</a:t>
-            </a:r>
-            <a:endParaRPr lang="en-US" b="1" dirty="0">
-              <a:latin typeface="Tahoma" panose="020B0604030504040204" pitchFamily="34" charset="0"/>
-              <a:ea typeface="Tahoma" panose="020B0604030504040204" pitchFamily="34" charset="0"/>
-              <a:cs typeface="Tahoma" panose="020B0604030504040204" pitchFamily="34" charset="0"/>
-            </a:endParaRPr>
-          </a:p>
-          <a:p>
-            <a:pPr marL="457200" lvl="1" indent="0">
-              <a:buNone/>
-            </a:pPr>
-            <a:r>
-              <a:rPr lang="en-US" b="1" dirty="0">
-                <a:solidFill>
-                  <a:schemeClr val="bg2">
-                    <a:lumMod val="50000"/>
-                  </a:schemeClr>
-                </a:solidFill>
-                <a:latin typeface="Tahoma" panose="020B0604030504040204" pitchFamily="34" charset="0"/>
-                <a:ea typeface="Tahoma" panose="020B0604030504040204" pitchFamily="34" charset="0"/>
-                <a:cs typeface="Tahoma" panose="020B0604030504040204" pitchFamily="34" charset="0"/>
-              </a:rPr>
-              <a:t>Content:</a:t>
-            </a:r>
-            <a:r>
-              <a:rPr lang="en-US" b="1" dirty="0">
-                <a:latin typeface="Tahoma" panose="020B0604030504040204" pitchFamily="34" charset="0"/>
-                <a:ea typeface="Tahoma" panose="020B0604030504040204" pitchFamily="34" charset="0"/>
-                <a:cs typeface="Tahoma" panose="020B0604030504040204" pitchFamily="34" charset="0"/>
-              </a:rPr>
-              <a:t> </a:t>
-            </a:r>
-            <a:r>
-              <a:rPr lang="en-US" dirty="0">
-                <a:latin typeface="Tahoma" panose="020B0604030504040204" pitchFamily="34" charset="0"/>
-                <a:ea typeface="Tahoma" panose="020B0604030504040204" pitchFamily="34" charset="0"/>
-                <a:cs typeface="Tahoma" panose="020B0604030504040204" pitchFamily="34" charset="0"/>
-              </a:rPr>
-              <a:t>String between tags that is not markup.</a:t>
-            </a:r>
-            <a:endParaRPr lang="en-US" b="1" dirty="0">
-              <a:latin typeface="Tahoma" panose="020B0604030504040204" pitchFamily="34" charset="0"/>
-              <a:ea typeface="Tahoma" panose="020B0604030504040204" pitchFamily="34" charset="0"/>
-              <a:cs typeface="Tahoma" panose="020B0604030504040204" pitchFamily="34" charset="0"/>
-            </a:endParaRPr>
-          </a:p>
-          <a:p>
-            <a:pPr marL="457200" lvl="1" indent="0">
-              <a:buNone/>
-            </a:pPr>
-            <a:r>
-              <a:rPr lang="en-US" sz="2800" b="1" dirty="0">
-                <a:solidFill>
-                  <a:schemeClr val="bg2">
-                    <a:lumMod val="50000"/>
-                  </a:schemeClr>
-                </a:solidFill>
-                <a:latin typeface="Tahoma" panose="020B0604030504040204" pitchFamily="34" charset="0"/>
-                <a:ea typeface="Tahoma" panose="020B0604030504040204" pitchFamily="34" charset="0"/>
-                <a:cs typeface="Tahoma" panose="020B0604030504040204" pitchFamily="34" charset="0"/>
-              </a:rPr>
-              <a:t>Attributes: </a:t>
-            </a:r>
-            <a:r>
-              <a:rPr lang="en-US" sz="2800" dirty="0">
-                <a:latin typeface="Tahoma" panose="020B0604030504040204" pitchFamily="34" charset="0"/>
-                <a:ea typeface="Tahoma" panose="020B0604030504040204" pitchFamily="34" charset="0"/>
-                <a:cs typeface="Tahoma" panose="020B0604030504040204" pitchFamily="34" charset="0"/>
-              </a:rPr>
-              <a:t>Strings inside of tags to modify certain features of an element.</a:t>
-            </a:r>
-            <a:r>
-              <a:rPr lang="en-US" sz="2800" b="1" dirty="0">
-                <a:latin typeface="Tahoma" panose="020B0604030504040204" pitchFamily="34" charset="0"/>
-                <a:ea typeface="Tahoma" panose="020B0604030504040204" pitchFamily="34" charset="0"/>
-                <a:cs typeface="Tahoma" panose="020B0604030504040204" pitchFamily="34" charset="0"/>
-              </a:rPr>
-              <a:t> </a:t>
-            </a:r>
-          </a:p>
-        </p:txBody>
-      </p:sp>
       <p:sp>
         <p:nvSpPr>
           <p:cNvPr id="5" name="Title 1">
@@ -16925,6 +16205,74 @@
                 <a:cs typeface="Tahoma" panose="020B0604030504040204" pitchFamily="34" charset="0"/>
               </a:rPr>
               <a:t>XML Terminology</a:t>
+            </a:r>
+          </a:p>
+        </p:txBody>
+      </p:sp>
+      <p:sp>
+        <p:nvSpPr>
+          <p:cNvPr id="3" name="Content Placeholder 2">
+            <a:extLst>
+              <a:ext uri="{FF2B5EF4-FFF2-40B4-BE49-F238E27FC236}">
+                <a16:creationId xmlns:a16="http://schemas.microsoft.com/office/drawing/2014/main" id="{4358C35A-CA87-4E45-A0F6-124945EE0A0F}"/>
+              </a:ext>
+            </a:extLst>
+          </p:cNvPr>
+          <p:cNvSpPr>
+            <a:spLocks noGrp="1"/>
+          </p:cNvSpPr>
+          <p:nvPr>
+            <p:ph idx="1"/>
+          </p:nvPr>
+        </p:nvSpPr>
+        <p:spPr>
+          <a:xfrm>
+            <a:off x="1143000" y="1714272"/>
+            <a:ext cx="4794506" cy="3541714"/>
+          </a:xfrm>
+        </p:spPr>
+        <p:txBody>
+          <a:bodyPr anchor="ctr">
+            <a:normAutofit/>
+          </a:bodyPr>
+          <a:lstStyle/>
+          <a:p>
+            <a:pPr marL="457200" lvl="1" indent="0">
+              <a:buNone/>
+            </a:pPr>
+            <a:r>
+              <a:rPr lang="en-US" sz="2600" b="1" dirty="0">
+                <a:solidFill>
+                  <a:schemeClr val="bg2">
+                    <a:lumMod val="50000"/>
+                  </a:schemeClr>
+                </a:solidFill>
+                <a:latin typeface="Tahoma" panose="020B0604030504040204" pitchFamily="34" charset="0"/>
+                <a:ea typeface="Tahoma" panose="020B0604030504040204" pitchFamily="34" charset="0"/>
+                <a:cs typeface="Tahoma" panose="020B0604030504040204" pitchFamily="34" charset="0"/>
+              </a:rPr>
+              <a:t>Attributes:</a:t>
+            </a:r>
+          </a:p>
+          <a:p>
+            <a:pPr marL="457200" lvl="1" indent="0">
+              <a:buNone/>
+            </a:pPr>
+            <a:r>
+              <a:rPr lang="en-US" sz="2600" dirty="0">
+                <a:latin typeface="Tahoma" panose="020B0604030504040204" pitchFamily="34" charset="0"/>
+                <a:ea typeface="Tahoma" panose="020B0604030504040204" pitchFamily="34" charset="0"/>
+                <a:cs typeface="Tahoma" panose="020B0604030504040204" pitchFamily="34" charset="0"/>
+              </a:rPr>
+              <a:t>Strings inside of tags to modify certain features of an element.</a:t>
+            </a:r>
+            <a:r>
+              <a:rPr lang="en-US" sz="2600" b="1" dirty="0">
+                <a:latin typeface="Tahoma" panose="020B0604030504040204" pitchFamily="34" charset="0"/>
+                <a:ea typeface="Tahoma" panose="020B0604030504040204" pitchFamily="34" charset="0"/>
+                <a:cs typeface="Tahoma" panose="020B0604030504040204" pitchFamily="34" charset="0"/>
+              </a:rPr>
+              <a:t> </a:t>
             </a:r>
           </a:p>
         </p:txBody>
@@ -17120,7 +16468,7 @@
     </p:extLst>
   </p:cSld>
   <p:clrMapOvr>
-    <a:masterClrMapping/>
+    <a:overrideClrMapping bg1="dk1" tx1="lt1" bg2="dk2" tx2="lt2" accent1="accent1" accent2="accent2" accent3="accent3" accent4="accent4" accent5="accent5" accent6="accent6" hlink="hlink" folHlink="folHlink"/>
   </p:clrMapOvr>
 </p:sld>
 </file>
@@ -17580,4 +16928,219 @@
     </a:ext>
   </a:extLst>
 </a:theme>
+</file>
+
+<file path=ppt/theme/themeOverride1.xml><?xml version="1.0" encoding="utf-8"?>
+<a:themeOverride xmlns:a="http://schemas.openxmlformats.org/drawingml/2006/main">
+  <a:clrScheme name="Circuit">
+    <a:dk1>
+      <a:sysClr val="windowText" lastClr="000000"/>
+    </a:dk1>
+    <a:lt1>
+      <a:sysClr val="window" lastClr="FFFFFF"/>
+    </a:lt1>
+    <a:dk2>
+      <a:srgbClr val="134770"/>
+    </a:dk2>
+    <a:lt2>
+      <a:srgbClr val="82FFFF"/>
+    </a:lt2>
+    <a:accent1>
+      <a:srgbClr val="9ACD4C"/>
+    </a:accent1>
+    <a:accent2>
+      <a:srgbClr val="FAA93A"/>
+    </a:accent2>
+    <a:accent3>
+      <a:srgbClr val="D35940"/>
+    </a:accent3>
+    <a:accent4>
+      <a:srgbClr val="B258D3"/>
+    </a:accent4>
+    <a:accent5>
+      <a:srgbClr val="63A0CC"/>
+    </a:accent5>
+    <a:accent6>
+      <a:srgbClr val="8AC4A7"/>
+    </a:accent6>
+    <a:hlink>
+      <a:srgbClr val="B8FA56"/>
+    </a:hlink>
+    <a:folHlink>
+      <a:srgbClr val="7AF8CC"/>
+    </a:folHlink>
+  </a:clrScheme>
+</a:themeOverride>
+</file>
+
+<file path=ppt/theme/themeOverride2.xml><?xml version="1.0" encoding="utf-8"?>
+<a:themeOverride xmlns:a="http://schemas.openxmlformats.org/drawingml/2006/main">
+  <a:clrScheme name="Circuit">
+    <a:dk1>
+      <a:sysClr val="windowText" lastClr="000000"/>
+    </a:dk1>
+    <a:lt1>
+      <a:sysClr val="window" lastClr="FFFFFF"/>
+    </a:lt1>
+    <a:dk2>
+      <a:srgbClr val="134770"/>
+    </a:dk2>
+    <a:lt2>
+      <a:srgbClr val="82FFFF"/>
+    </a:lt2>
+    <a:accent1>
+      <a:srgbClr val="9ACD4C"/>
+    </a:accent1>
+    <a:accent2>
+      <a:srgbClr val="FAA93A"/>
+    </a:accent2>
+    <a:accent3>
+      <a:srgbClr val="D35940"/>
+    </a:accent3>
+    <a:accent4>
+      <a:srgbClr val="B258D3"/>
+    </a:accent4>
+    <a:accent5>
+      <a:srgbClr val="63A0CC"/>
+    </a:accent5>
+    <a:accent6>
+      <a:srgbClr val="8AC4A7"/>
+    </a:accent6>
+    <a:hlink>
+      <a:srgbClr val="B8FA56"/>
+    </a:hlink>
+    <a:folHlink>
+      <a:srgbClr val="7AF8CC"/>
+    </a:folHlink>
+  </a:clrScheme>
+</a:themeOverride>
+</file>
+
+<file path=ppt/theme/themeOverride3.xml><?xml version="1.0" encoding="utf-8"?>
+<a:themeOverride xmlns:a="http://schemas.openxmlformats.org/drawingml/2006/main">
+  <a:clrScheme name="Circuit">
+    <a:dk1>
+      <a:sysClr val="windowText" lastClr="000000"/>
+    </a:dk1>
+    <a:lt1>
+      <a:sysClr val="window" lastClr="FFFFFF"/>
+    </a:lt1>
+    <a:dk2>
+      <a:srgbClr val="134770"/>
+    </a:dk2>
+    <a:lt2>
+      <a:srgbClr val="82FFFF"/>
+    </a:lt2>
+    <a:accent1>
+      <a:srgbClr val="9ACD4C"/>
+    </a:accent1>
+    <a:accent2>
+      <a:srgbClr val="FAA93A"/>
+    </a:accent2>
+    <a:accent3>
+      <a:srgbClr val="D35940"/>
+    </a:accent3>
+    <a:accent4>
+      <a:srgbClr val="B258D3"/>
+    </a:accent4>
+    <a:accent5>
+      <a:srgbClr val="63A0CC"/>
+    </a:accent5>
+    <a:accent6>
+      <a:srgbClr val="8AC4A7"/>
+    </a:accent6>
+    <a:hlink>
+      <a:srgbClr val="B8FA56"/>
+    </a:hlink>
+    <a:folHlink>
+      <a:srgbClr val="7AF8CC"/>
+    </a:folHlink>
+  </a:clrScheme>
+</a:themeOverride>
+</file>
+
+<file path=ppt/theme/themeOverride4.xml><?xml version="1.0" encoding="utf-8"?>
+<a:themeOverride xmlns:a="http://schemas.openxmlformats.org/drawingml/2006/main">
+  <a:clrScheme name="Circuit">
+    <a:dk1>
+      <a:sysClr val="windowText" lastClr="000000"/>
+    </a:dk1>
+    <a:lt1>
+      <a:sysClr val="window" lastClr="FFFFFF"/>
+    </a:lt1>
+    <a:dk2>
+      <a:srgbClr val="134770"/>
+    </a:dk2>
+    <a:lt2>
+      <a:srgbClr val="82FFFF"/>
+    </a:lt2>
+    <a:accent1>
+      <a:srgbClr val="9ACD4C"/>
+    </a:accent1>
+    <a:accent2>
+      <a:srgbClr val="FAA93A"/>
+    </a:accent2>
+    <a:accent3>
+      <a:srgbClr val="D35940"/>
+    </a:accent3>
+    <a:accent4>
+      <a:srgbClr val="B258D3"/>
+    </a:accent4>
+    <a:accent5>
+      <a:srgbClr val="63A0CC"/>
+    </a:accent5>
+    <a:accent6>
+      <a:srgbClr val="8AC4A7"/>
+    </a:accent6>
+    <a:hlink>
+      <a:srgbClr val="B8FA56"/>
+    </a:hlink>
+    <a:folHlink>
+      <a:srgbClr val="7AF8CC"/>
+    </a:folHlink>
+  </a:clrScheme>
+</a:themeOverride>
+</file>
+
+<file path=ppt/theme/themeOverride5.xml><?xml version="1.0" encoding="utf-8"?>
+<a:themeOverride xmlns:a="http://schemas.openxmlformats.org/drawingml/2006/main">
+  <a:clrScheme name="Circuit">
+    <a:dk1>
+      <a:sysClr val="windowText" lastClr="000000"/>
+    </a:dk1>
+    <a:lt1>
+      <a:sysClr val="window" lastClr="FFFFFF"/>
+    </a:lt1>
+    <a:dk2>
+      <a:srgbClr val="134770"/>
+    </a:dk2>
+    <a:lt2>
+      <a:srgbClr val="82FFFF"/>
+    </a:lt2>
+    <a:accent1>
+      <a:srgbClr val="9ACD4C"/>
+    </a:accent1>
+    <a:accent2>
+      <a:srgbClr val="FAA93A"/>
+    </a:accent2>
+    <a:accent3>
+      <a:srgbClr val="D35940"/>
+    </a:accent3>
+    <a:accent4>
+      <a:srgbClr val="B258D3"/>
+    </a:accent4>
+    <a:accent5>
+      <a:srgbClr val="63A0CC"/>
+    </a:accent5>
+    <a:accent6>
+      <a:srgbClr val="8AC4A7"/>
+    </a:accent6>
+    <a:hlink>
+      <a:srgbClr val="B8FA56"/>
+    </a:hlink>
+    <a:folHlink>
+      <a:srgbClr val="7AF8CC"/>
+    </a:folHlink>
+  </a:clrScheme>
+</a:themeOverride>
 </file>